--- a/Pilotage/Recette/[MSF]Recette.pptx
+++ b/Pilotage/Recette/[MSF]Recette.pptx
@@ -19,8 +19,9 @@
     <p:sldId id="270" r:id="rId13"/>
     <p:sldId id="272" r:id="rId14"/>
     <p:sldId id="262" r:id="rId15"/>
-    <p:sldId id="274" r:id="rId16"/>
-    <p:sldId id="267" r:id="rId17"/>
+    <p:sldId id="275" r:id="rId16"/>
+    <p:sldId id="274" r:id="rId17"/>
+    <p:sldId id="267" r:id="rId18"/>
   </p:sldIdLst>
   <p:sldSz cx="12192000" cy="6858000"/>
   <p:notesSz cx="6858000" cy="9144000"/>
@@ -10955,11 +10956,7 @@
           <a:p>
             <a:r>
               <a:rPr lang="fr-FR" dirty="0" smtClean="0"/>
-              <a:t>Le </a:t>
-            </a:r>
-            <a:r>
-              <a:rPr lang="fr-FR" dirty="0" smtClean="0"/>
-              <a:t>19/06/2013</a:t>
+              <a:t>Le 19/06/2013</a:t>
             </a:r>
             <a:endParaRPr lang="fr-FR" dirty="0"/>
           </a:p>
@@ -11121,13 +11118,13 @@
   <p:clrMapOvr>
     <a:masterClrMapping/>
   </p:clrMapOvr>
-  <mc:AlternateContent xmlns:mc="http://schemas.openxmlformats.org/markup-compatibility/2006">
-    <mc:Choice xmlns:p14="http://schemas.microsoft.com/office/powerpoint/2010/main" Requires="p14">
+  <mc:AlternateContent xmlns:mc="http://schemas.openxmlformats.org/markup-compatibility/2006" xmlns:p14="http://schemas.microsoft.com/office/powerpoint/2010/main">
+    <mc:Choice Requires="p14">
       <p:transition spd="slow" p14:dur="1600">
         <p14:prism isInverted="1"/>
       </p:transition>
     </mc:Choice>
-    <mc:Fallback>
+    <mc:Fallback xmlns="">
       <p:transition spd="slow">
         <p:fade/>
       </p:transition>
@@ -11232,13 +11229,13 @@
   <p:clrMapOvr>
     <a:masterClrMapping/>
   </p:clrMapOvr>
-  <mc:AlternateContent xmlns:mc="http://schemas.openxmlformats.org/markup-compatibility/2006">
-    <mc:Choice xmlns:p14="http://schemas.microsoft.com/office/powerpoint/2010/main" Requires="p14">
+  <mc:AlternateContent xmlns:mc="http://schemas.openxmlformats.org/markup-compatibility/2006" xmlns:p14="http://schemas.microsoft.com/office/powerpoint/2010/main">
+    <mc:Choice Requires="p14">
       <p:transition spd="slow" p14:dur="1200">
         <p14:prism/>
       </p:transition>
     </mc:Choice>
-    <mc:Fallback>
+    <mc:Fallback xmlns="">
       <p:transition spd="slow">
         <p:fade/>
       </p:transition>
@@ -11343,13 +11340,13 @@
   <p:clrMapOvr>
     <a:masterClrMapping/>
   </p:clrMapOvr>
-  <mc:AlternateContent xmlns:mc="http://schemas.openxmlformats.org/markup-compatibility/2006">
-    <mc:Choice xmlns:p14="http://schemas.microsoft.com/office/powerpoint/2010/main" Requires="p14">
+  <mc:AlternateContent xmlns:mc="http://schemas.openxmlformats.org/markup-compatibility/2006" xmlns:p14="http://schemas.microsoft.com/office/powerpoint/2010/main">
+    <mc:Choice Requires="p14">
       <p:transition spd="slow" p14:dur="1600">
         <p14:gallery dir="l"/>
       </p:transition>
     </mc:Choice>
-    <mc:Fallback>
+    <mc:Fallback xmlns="">
       <p:transition spd="slow">
         <p:fade/>
       </p:transition>
@@ -11477,13 +11474,13 @@
   <p:clrMapOvr>
     <a:masterClrMapping/>
   </p:clrMapOvr>
-  <mc:AlternateContent xmlns:mc="http://schemas.openxmlformats.org/markup-compatibility/2006">
-    <mc:Choice xmlns:p14="http://schemas.microsoft.com/office/powerpoint/2010/main" Requires="p14">
+  <mc:AlternateContent xmlns:mc="http://schemas.openxmlformats.org/markup-compatibility/2006" xmlns:p14="http://schemas.microsoft.com/office/powerpoint/2010/main">
+    <mc:Choice Requires="p14">
       <p:transition spd="slow" p14:dur="1600">
         <p14:gallery dir="l"/>
       </p:transition>
     </mc:Choice>
-    <mc:Fallback>
+    <mc:Fallback xmlns="">
       <p:transition spd="slow">
         <p:fade/>
       </p:transition>
@@ -11568,11 +11565,7 @@
             <a:pPr lvl="0"/>
             <a:r>
               <a:rPr lang="fr-FR" dirty="0" smtClean="0"/>
-              <a:t>Design moderne et </a:t>
-            </a:r>
-            <a:r>
-              <a:rPr lang="fr-FR" dirty="0" smtClean="0"/>
-              <a:t>fonctionnel</a:t>
+              <a:t>Design moderne et fonctionnel</a:t>
             </a:r>
           </a:p>
           <a:p>
@@ -11674,7 +11667,7 @@
           <a:p>
             <a:r>
               <a:rPr lang="fr-FR" dirty="0" smtClean="0"/>
-              <a:t>Questions/Réponses/Débriefing </a:t>
+              <a:t>Validation des objectifs</a:t>
             </a:r>
             <a:endParaRPr lang="fr-FR" dirty="0"/>
           </a:p>
@@ -11695,6 +11688,71 @@
           <a:bodyPr/>
           <a:lstStyle/>
           <a:p>
+            <a:pPr lvl="0"/>
+            <a:r>
+              <a:rPr lang="fr-FR" dirty="0"/>
+              <a:t>Créer un serveur gérant l’inscription et la connexion de membres et l’envoi des flux vers les </a:t>
+            </a:r>
+            <a:r>
+              <a:rPr lang="fr-FR" dirty="0" smtClean="0"/>
+              <a:t>applications </a:t>
+            </a:r>
+            <a:r>
+              <a:rPr lang="fr-FR" sz="2000" dirty="0" smtClean="0"/>
+              <a:t>avant le 27/05/13</a:t>
+            </a:r>
+            <a:r>
+              <a:rPr lang="fr-FR" dirty="0" smtClean="0"/>
+              <a:t>. </a:t>
+            </a:r>
+            <a:endParaRPr lang="fr-FR" dirty="0"/>
+          </a:p>
+          <a:p>
+            <a:pPr lvl="0"/>
+            <a:r>
+              <a:rPr lang="fr-FR" dirty="0"/>
+              <a:t>Créer une application Android permettant l’affichage des différents flux</a:t>
+            </a:r>
+            <a:r>
+              <a:rPr lang="fr-FR" b="1" dirty="0"/>
+              <a:t> </a:t>
+            </a:r>
+            <a:r>
+              <a:rPr lang="fr-FR" dirty="0"/>
+              <a:t> et </a:t>
+            </a:r>
+            <a:r>
+              <a:rPr lang="fr-FR" dirty="0" smtClean="0"/>
+              <a:t>l’interaction avec les réseaux sociaux </a:t>
+            </a:r>
+            <a:r>
+              <a:rPr lang="fr-FR" sz="2000" dirty="0" smtClean="0"/>
+              <a:t>avant le 21/06/13</a:t>
+            </a:r>
+            <a:r>
+              <a:rPr lang="fr-FR" dirty="0" smtClean="0"/>
+              <a:t>.</a:t>
+            </a:r>
+            <a:endParaRPr lang="fr-FR" dirty="0"/>
+          </a:p>
+          <a:p>
+            <a:pPr lvl="0"/>
+            <a:r>
+              <a:rPr lang="fr-FR" dirty="0"/>
+              <a:t>Permettre à l’utilisateur de se connecter à un ou plusieurs réseaux </a:t>
+            </a:r>
+            <a:r>
+              <a:rPr lang="fr-FR" dirty="0" smtClean="0"/>
+              <a:t>sociaux </a:t>
+            </a:r>
+            <a:r>
+              <a:rPr lang="fr-FR" sz="2000" dirty="0" smtClean="0"/>
+              <a:t>avant le 21/06/13</a:t>
+            </a:r>
+            <a:r>
+              <a:rPr lang="fr-FR" dirty="0" smtClean="0"/>
+              <a:t>.</a:t>
+            </a:r>
             <a:endParaRPr lang="fr-FR" dirty="0"/>
           </a:p>
         </p:txBody>
@@ -11702,7 +11760,7 @@
     </p:spTree>
     <p:extLst>
       <p:ext uri="{BB962C8B-B14F-4D97-AF65-F5344CB8AC3E}">
-        <p14:creationId xmlns:p14="http://schemas.microsoft.com/office/powerpoint/2010/main" val="2361015571"/>
+        <p14:creationId xmlns:p14="http://schemas.microsoft.com/office/powerpoint/2010/main" val="2597521930"/>
       </p:ext>
     </p:extLst>
   </p:cSld>
@@ -11710,9 +11768,9 @@
     <a:masterClrMapping/>
   </p:clrMapOvr>
   <mc:AlternateContent xmlns:mc="http://schemas.openxmlformats.org/markup-compatibility/2006">
-    <mc:Choice xmlns:p14="http://schemas.microsoft.com/office/powerpoint/2010/main" Requires="p14">
-      <p:transition spd="slow" p14:dur="1250">
-        <p14:flip dir="r"/>
+    <mc:Choice xmlns:p15="http://schemas.microsoft.com/office/powerpoint/2012/main" Requires="p15">
+      <p:transition xmlns:p14="http://schemas.microsoft.com/office/powerpoint/2010/main" spd="slow" p14:dur="1250">
+        <p15:prstTrans prst="peelOff"/>
       </p:transition>
     </mc:Choice>
     <mc:Fallback>
@@ -11732,6 +11790,97 @@
 </file>
 
 <file path=ppt/slides/slide16.xml><?xml version="1.0" encoding="utf-8"?>
+<p:sld xmlns:a="http://schemas.openxmlformats.org/drawingml/2006/main" xmlns:r="http://schemas.openxmlformats.org/officeDocument/2006/relationships" xmlns:p="http://schemas.openxmlformats.org/presentationml/2006/main">
+  <p:cSld>
+    <p:spTree>
+      <p:nvGrpSpPr>
+        <p:cNvPr id="1" name=""/>
+        <p:cNvGrpSpPr/>
+        <p:nvPr/>
+      </p:nvGrpSpPr>
+      <p:grpSpPr>
+        <a:xfrm>
+          <a:off x="0" y="0"/>
+          <a:ext cx="0" cy="0"/>
+          <a:chOff x="0" y="0"/>
+          <a:chExt cx="0" cy="0"/>
+        </a:xfrm>
+      </p:grpSpPr>
+      <p:sp>
+        <p:nvSpPr>
+          <p:cNvPr id="2" name="Titre 1"/>
+          <p:cNvSpPr>
+            <a:spLocks noGrp="1"/>
+          </p:cNvSpPr>
+          <p:nvPr>
+            <p:ph type="title"/>
+          </p:nvPr>
+        </p:nvSpPr>
+        <p:spPr/>
+        <p:txBody>
+          <a:bodyPr/>
+          <a:lstStyle/>
+          <a:p>
+            <a:r>
+              <a:rPr lang="fr-FR" dirty="0" smtClean="0"/>
+              <a:t>Questions/Réponses/Débriefing </a:t>
+            </a:r>
+            <a:endParaRPr lang="fr-FR" dirty="0"/>
+          </a:p>
+        </p:txBody>
+      </p:sp>
+      <p:sp>
+        <p:nvSpPr>
+          <p:cNvPr id="3" name="Espace réservé du contenu 2"/>
+          <p:cNvSpPr>
+            <a:spLocks noGrp="1"/>
+          </p:cNvSpPr>
+          <p:nvPr>
+            <p:ph idx="1"/>
+          </p:nvPr>
+        </p:nvSpPr>
+        <p:spPr/>
+        <p:txBody>
+          <a:bodyPr/>
+          <a:lstStyle/>
+          <a:p>
+            <a:endParaRPr lang="fr-FR" dirty="0"/>
+          </a:p>
+        </p:txBody>
+      </p:sp>
+    </p:spTree>
+    <p:extLst>
+      <p:ext uri="{BB962C8B-B14F-4D97-AF65-F5344CB8AC3E}">
+        <p14:creationId xmlns:p14="http://schemas.microsoft.com/office/powerpoint/2010/main" val="2361015571"/>
+      </p:ext>
+    </p:extLst>
+  </p:cSld>
+  <p:clrMapOvr>
+    <a:masterClrMapping/>
+  </p:clrMapOvr>
+  <mc:AlternateContent xmlns:mc="http://schemas.openxmlformats.org/markup-compatibility/2006" xmlns:p14="http://schemas.microsoft.com/office/powerpoint/2010/main">
+    <mc:Choice Requires="p14">
+      <p:transition spd="slow" p14:dur="1250">
+        <p14:flip dir="r"/>
+      </p:transition>
+    </mc:Choice>
+    <mc:Fallback xmlns="">
+      <p:transition spd="slow">
+        <p:fade/>
+      </p:transition>
+    </mc:Fallback>
+  </mc:AlternateContent>
+  <p:timing>
+    <p:tnLst>
+      <p:par>
+        <p:cTn id="1" dur="indefinite" restart="never" nodeType="tmRoot"/>
+      </p:par>
+    </p:tnLst>
+  </p:timing>
+</p:sld>
+</file>
+
+<file path=ppt/slides/slide17.xml><?xml version="1.0" encoding="utf-8"?>
 <p:sld xmlns:a="http://schemas.openxmlformats.org/drawingml/2006/main" xmlns:r="http://schemas.openxmlformats.org/officeDocument/2006/relationships" xmlns:p="http://schemas.openxmlformats.org/presentationml/2006/main">
   <p:cSld>
     <p:spTree>
@@ -12568,7 +12717,6 @@
               <a:rPr lang="fr-FR" dirty="0" smtClean="0"/>
               <a:t> et MS Project</a:t>
             </a:r>
-            <a:endParaRPr lang="fr-FR" dirty="0" smtClean="0"/>
           </a:p>
           <a:p>
             <a:r>
@@ -12587,21 +12735,13 @@
             </a:r>
             <a:r>
               <a:rPr lang="fr-FR" dirty="0" smtClean="0"/>
-              <a:t>/J2EE/Java </a:t>
-            </a:r>
+              <a:t>/J2EE/Java for Android</a:t>
+            </a:r>
+          </a:p>
+          <a:p>
             <a:r>
               <a:rPr lang="fr-FR" dirty="0" smtClean="0"/>
-              <a:t>for Android</a:t>
-            </a:r>
-          </a:p>
-          <a:p>
-            <a:r>
-              <a:rPr lang="fr-FR" dirty="0" smtClean="0"/>
-              <a:t>Utilisation de </a:t>
-            </a:r>
-            <a:r>
-              <a:rPr lang="fr-FR" dirty="0" smtClean="0"/>
-              <a:t>Google App </a:t>
+              <a:t>Utilisation de Google App </a:t>
             </a:r>
             <a:r>
               <a:rPr lang="fr-FR" dirty="0" err="1" smtClean="0"/>
@@ -12733,13 +12873,13 @@
   <p:clrMapOvr>
     <a:masterClrMapping/>
   </p:clrMapOvr>
-  <mc:AlternateContent xmlns:mc="http://schemas.openxmlformats.org/markup-compatibility/2006">
-    <mc:Choice xmlns:p15="http://schemas.microsoft.com/office/powerpoint/2012/main" Requires="p15">
+  <mc:AlternateContent xmlns:mc="http://schemas.openxmlformats.org/markup-compatibility/2006" xmlns:p15="http://schemas.microsoft.com/office/powerpoint/2012/main">
+    <mc:Choice Requires="p15">
       <p:transition xmlns:p14="http://schemas.microsoft.com/office/powerpoint/2010/main" spd="slow" p14:dur="1500">
         <p15:prstTrans prst="curtains"/>
       </p:transition>
     </mc:Choice>
-    <mc:Fallback>
+    <mc:Fallback xmlns="">
       <p:transition spd="slow">
         <p:fade/>
       </p:transition>
@@ -12824,13 +12964,13 @@
   <p:clrMapOvr>
     <a:masterClrMapping/>
   </p:clrMapOvr>
-  <mc:AlternateContent xmlns:mc="http://schemas.openxmlformats.org/markup-compatibility/2006">
-    <mc:Choice xmlns:p14="http://schemas.microsoft.com/office/powerpoint/2010/main" Requires="p14">
+  <mc:AlternateContent xmlns:mc="http://schemas.openxmlformats.org/markup-compatibility/2006" xmlns:p14="http://schemas.microsoft.com/office/powerpoint/2010/main">
+    <mc:Choice Requires="p14">
       <p:transition spd="slow" p14:dur="2250">
         <p14:glitter pattern="hexagon"/>
       </p:transition>
     </mc:Choice>
-    <mc:Fallback>
+    <mc:Fallback xmlns="">
       <p:transition spd="slow">
         <p:fade/>
       </p:transition>
